--- a/file/毕业论文开题V6.pptx
+++ b/file/毕业论文开题V6.pptx
@@ -6,7 +6,7 @@
     <p:sldMasterId id="2147483665" r:id="rId2"/>
   </p:sldMasterIdLst>
   <p:notesMasterIdLst>
-    <p:notesMasterId r:id="rId19"/>
+    <p:notesMasterId r:id="rId21"/>
   </p:notesMasterIdLst>
   <p:sldIdLst>
     <p:sldId id="256" r:id="rId3"/>
@@ -24,7 +24,9 @@
     <p:sldId id="390" r:id="rId15"/>
     <p:sldId id="392" r:id="rId16"/>
     <p:sldId id="393" r:id="rId17"/>
-    <p:sldId id="316" r:id="rId18"/>
+    <p:sldId id="398" r:id="rId18"/>
+    <p:sldId id="316" r:id="rId19"/>
+    <p:sldId id="397" r:id="rId20"/>
   </p:sldIdLst>
   <p:sldSz cx="9144000" cy="6858000" type="screen4x3"/>
   <p:notesSz cx="6858000" cy="9144000"/>
@@ -140,7 +142,28 @@
       </p:ext>
     </p:extLst>
   </p:cmAuthor>
+  <p:cmAuthor id="2" name="hutter_sadan" initials="h" lastIdx="1" clrIdx="1">
+    <p:extLst>
+      <p:ext uri="{19B8F6BF-5375-455C-9EA6-DF929625EA0E}">
+        <p15:presenceInfo xmlns:p15="http://schemas.microsoft.com/office/powerpoint/2012/main" userId="hutter_sadan" providerId="None"/>
+      </p:ext>
+    </p:extLst>
+  </p:cmAuthor>
 </p:cmAuthorLst>
+</file>
+
+<file path=ppt/comments/comment1.xml><?xml version="1.0" encoding="utf-8"?>
+<p:cmLst xmlns:a="http://schemas.openxmlformats.org/drawingml/2006/main" xmlns:r="http://schemas.openxmlformats.org/officeDocument/2006/relationships" xmlns:p="http://schemas.openxmlformats.org/presentationml/2006/main">
+  <p:cm authorId="2" dt="2023-05-05T10:21:53.969" idx="1">
+    <p:pos x="10" y="10"/>
+    <p:text/>
+    <p:extLst>
+      <p:ext uri="{C676402C-5697-4E1C-873F-D02D1690AC5C}">
+        <p15:threadingInfo xmlns:p15="http://schemas.microsoft.com/office/powerpoint/2012/main" timeZoneBias="-480"/>
+      </p:ext>
+    </p:extLst>
+  </p:cm>
+</p:cmLst>
 </file>
 
 <file path=ppt/notesMasters/notesMaster1.xml><?xml version="1.0" encoding="utf-8"?>
@@ -225,7 +248,7 @@
           <a:p>
             <a:fld id="{CED94044-EF4E-4392-B149-5D8C31549171}" type="datetimeFigureOut">
               <a:rPr lang="zh-CN" altLang="en-US" smtClean="0"/>
-              <a:t>2022/11/24</a:t>
+              <a:t>2023/5/5</a:t>
             </a:fld>
             <a:endParaRPr lang="zh-CN" altLang="en-US"/>
           </a:p>
@@ -1240,7 +1263,7 @@
           <a:p>
             <a:fld id="{20494AE8-3E18-4006-B981-9A9BD66540F0}" type="slidenum">
               <a:rPr lang="zh-CN" altLang="en-US" smtClean="0"/>
-              <a:t>16</a:t>
+              <a:t>17</a:t>
             </a:fld>
             <a:endParaRPr lang="zh-CN" altLang="en-US"/>
           </a:p>
@@ -2321,7 +2344,7 @@
           <a:p>
             <a:fld id="{951C540F-83B3-4203-AE40-B45465409DDB}" type="datetimeFigureOut">
               <a:rPr lang="zh-CN" altLang="en-US" smtClean="0"/>
-              <a:t>2022/11/24</a:t>
+              <a:t>2023/5/5</a:t>
             </a:fld>
             <a:endParaRPr lang="zh-CN" altLang="en-US"/>
           </a:p>
@@ -2699,7 +2722,7 @@
           <a:p>
             <a:fld id="{951C540F-83B3-4203-AE40-B45465409DDB}" type="datetimeFigureOut">
               <a:rPr lang="zh-CN" altLang="en-US" smtClean="0"/>
-              <a:t>2022/11/24</a:t>
+              <a:t>2023/5/5</a:t>
             </a:fld>
             <a:endParaRPr lang="zh-CN" altLang="en-US"/>
           </a:p>
@@ -2864,7 +2887,7 @@
           <a:p>
             <a:fld id="{951C540F-83B3-4203-AE40-B45465409DDB}" type="datetimeFigureOut">
               <a:rPr lang="zh-CN" altLang="en-US" smtClean="0"/>
-              <a:t>2022/11/24</a:t>
+              <a:t>2023/5/5</a:t>
             </a:fld>
             <a:endParaRPr lang="zh-CN" altLang="en-US"/>
           </a:p>
@@ -3039,7 +3062,7 @@
           <a:p>
             <a:fld id="{951C540F-83B3-4203-AE40-B45465409DDB}" type="datetimeFigureOut">
               <a:rPr lang="zh-CN" altLang="en-US" smtClean="0"/>
-              <a:t>2022/11/24</a:t>
+              <a:t>2023/5/5</a:t>
             </a:fld>
             <a:endParaRPr lang="zh-CN" altLang="en-US"/>
           </a:p>
@@ -3301,7 +3324,7 @@
           <a:p>
             <a:fld id="{951C540F-83B3-4203-AE40-B45465409DDB}" type="datetimeFigureOut">
               <a:rPr lang="zh-CN" altLang="en-US" smtClean="0"/>
-              <a:t>2022/11/24</a:t>
+              <a:t>2023/5/5</a:t>
             </a:fld>
             <a:endParaRPr lang="zh-CN" altLang="en-US"/>
           </a:p>
@@ -3716,7 +3739,7 @@
           <a:p>
             <a:fld id="{951C540F-83B3-4203-AE40-B45465409DDB}" type="datetimeFigureOut">
               <a:rPr lang="zh-CN" altLang="en-US" smtClean="0"/>
-              <a:t>2022/11/24</a:t>
+              <a:t>2023/5/5</a:t>
             </a:fld>
             <a:endParaRPr lang="zh-CN" altLang="en-US"/>
           </a:p>
@@ -3890,7 +3913,7 @@
           <a:p>
             <a:fld id="{951C540F-83B3-4203-AE40-B45465409DDB}" type="datetimeFigureOut">
               <a:rPr lang="zh-CN" altLang="en-US" smtClean="0"/>
-              <a:t>2022/11/24</a:t>
+              <a:t>2023/5/5</a:t>
             </a:fld>
             <a:endParaRPr lang="zh-CN" altLang="en-US"/>
           </a:p>
@@ -4261,7 +4284,7 @@
           <a:p>
             <a:fld id="{55526AF4-FA66-445C-9302-92D54DEE46F9}" type="datetimeFigureOut">
               <a:rPr lang="zh-CN" altLang="en-US" smtClean="0"/>
-              <a:t>2022/11/24</a:t>
+              <a:t>2023/5/5</a:t>
             </a:fld>
             <a:endParaRPr lang="zh-CN" altLang="en-US"/>
           </a:p>
@@ -4424,7 +4447,7 @@
           <a:p>
             <a:fld id="{55526AF4-FA66-445C-9302-92D54DEE46F9}" type="datetimeFigureOut">
               <a:rPr lang="zh-CN" altLang="en-US" smtClean="0"/>
-              <a:t>2022/11/24</a:t>
+              <a:t>2023/5/5</a:t>
             </a:fld>
             <a:endParaRPr lang="zh-CN" altLang="en-US"/>
           </a:p>
@@ -4589,7 +4612,7 @@
           <a:p>
             <a:fld id="{951C540F-83B3-4203-AE40-B45465409DDB}" type="datetimeFigureOut">
               <a:rPr lang="zh-CN" altLang="en-US" smtClean="0"/>
-              <a:t>2022/11/24</a:t>
+              <a:t>2023/5/5</a:t>
             </a:fld>
             <a:endParaRPr lang="zh-CN" altLang="en-US"/>
           </a:p>
@@ -4829,7 +4852,7 @@
           <a:p>
             <a:fld id="{55526AF4-FA66-445C-9302-92D54DEE46F9}" type="datetimeFigureOut">
               <a:rPr lang="zh-CN" altLang="en-US" smtClean="0"/>
-              <a:t>2022/11/24</a:t>
+              <a:t>2023/5/5</a:t>
             </a:fld>
             <a:endParaRPr lang="zh-CN" altLang="en-US"/>
           </a:p>
@@ -5053,7 +5076,7 @@
           <a:p>
             <a:fld id="{55526AF4-FA66-445C-9302-92D54DEE46F9}" type="datetimeFigureOut">
               <a:rPr lang="zh-CN" altLang="en-US" smtClean="0"/>
-              <a:t>2022/11/24</a:t>
+              <a:t>2023/5/5</a:t>
             </a:fld>
             <a:endParaRPr lang="zh-CN" altLang="en-US"/>
           </a:p>
@@ -5412,7 +5435,7 @@
           <a:p>
             <a:fld id="{55526AF4-FA66-445C-9302-92D54DEE46F9}" type="datetimeFigureOut">
               <a:rPr lang="zh-CN" altLang="en-US" smtClean="0"/>
-              <a:t>2022/11/24</a:t>
+              <a:t>2023/5/5</a:t>
             </a:fld>
             <a:endParaRPr lang="zh-CN" altLang="en-US"/>
           </a:p>
@@ -5524,7 +5547,7 @@
           <a:p>
             <a:fld id="{55526AF4-FA66-445C-9302-92D54DEE46F9}" type="datetimeFigureOut">
               <a:rPr lang="zh-CN" altLang="en-US" smtClean="0"/>
-              <a:t>2022/11/24</a:t>
+              <a:t>2023/5/5</a:t>
             </a:fld>
             <a:endParaRPr lang="zh-CN" altLang="en-US"/>
           </a:p>
@@ -5614,7 +5637,7 @@
           <a:p>
             <a:fld id="{55526AF4-FA66-445C-9302-92D54DEE46F9}" type="datetimeFigureOut">
               <a:rPr lang="zh-CN" altLang="en-US" smtClean="0"/>
-              <a:t>2022/11/24</a:t>
+              <a:t>2023/5/5</a:t>
             </a:fld>
             <a:endParaRPr lang="zh-CN" altLang="en-US"/>
           </a:p>
@@ -5884,7 +5907,7 @@
           <a:p>
             <a:fld id="{55526AF4-FA66-445C-9302-92D54DEE46F9}" type="datetimeFigureOut">
               <a:rPr lang="zh-CN" altLang="en-US" smtClean="0"/>
-              <a:t>2022/11/24</a:t>
+              <a:t>2023/5/5</a:t>
             </a:fld>
             <a:endParaRPr lang="zh-CN" altLang="en-US"/>
           </a:p>
@@ -6131,7 +6154,7 @@
           <a:p>
             <a:fld id="{55526AF4-FA66-445C-9302-92D54DEE46F9}" type="datetimeFigureOut">
               <a:rPr lang="zh-CN" altLang="en-US" smtClean="0"/>
-              <a:t>2022/11/24</a:t>
+              <a:t>2023/5/5</a:t>
             </a:fld>
             <a:endParaRPr lang="zh-CN" altLang="en-US"/>
           </a:p>
@@ -6294,7 +6317,7 @@
           <a:p>
             <a:fld id="{55526AF4-FA66-445C-9302-92D54DEE46F9}" type="datetimeFigureOut">
               <a:rPr lang="zh-CN" altLang="en-US" smtClean="0"/>
-              <a:t>2022/11/24</a:t>
+              <a:t>2023/5/5</a:t>
             </a:fld>
             <a:endParaRPr lang="zh-CN" altLang="en-US"/>
           </a:p>
@@ -6467,7 +6490,7 @@
           <a:p>
             <a:fld id="{55526AF4-FA66-445C-9302-92D54DEE46F9}" type="datetimeFigureOut">
               <a:rPr lang="zh-CN" altLang="en-US" smtClean="0"/>
-              <a:t>2022/11/24</a:t>
+              <a:t>2023/5/5</a:t>
             </a:fld>
             <a:endParaRPr lang="zh-CN" altLang="en-US"/>
           </a:p>
@@ -6760,7 +6783,7 @@
           <a:p>
             <a:fld id="{951C540F-83B3-4203-AE40-B45465409DDB}" type="datetimeFigureOut">
               <a:rPr lang="zh-CN" altLang="en-US" smtClean="0"/>
-              <a:t>2022/11/24</a:t>
+              <a:t>2023/5/5</a:t>
             </a:fld>
             <a:endParaRPr lang="zh-CN" altLang="en-US"/>
           </a:p>
@@ -7035,7 +7058,7 @@
           <a:p>
             <a:fld id="{951C540F-83B3-4203-AE40-B45465409DDB}" type="datetimeFigureOut">
               <a:rPr lang="zh-CN" altLang="en-US" smtClean="0"/>
-              <a:t>2022/11/24</a:t>
+              <a:t>2023/5/5</a:t>
             </a:fld>
             <a:endParaRPr lang="zh-CN" altLang="en-US"/>
           </a:p>
@@ -7397,7 +7420,7 @@
           <a:p>
             <a:fld id="{951C540F-83B3-4203-AE40-B45465409DDB}" type="datetimeFigureOut">
               <a:rPr lang="zh-CN" altLang="en-US" smtClean="0"/>
-              <a:t>2022/11/24</a:t>
+              <a:t>2023/5/5</a:t>
             </a:fld>
             <a:endParaRPr lang="zh-CN" altLang="en-US"/>
           </a:p>
@@ -7510,7 +7533,7 @@
           <a:p>
             <a:fld id="{951C540F-83B3-4203-AE40-B45465409DDB}" type="datetimeFigureOut">
               <a:rPr lang="zh-CN" altLang="en-US" smtClean="0"/>
-              <a:t>2022/11/24</a:t>
+              <a:t>2023/5/5</a:t>
             </a:fld>
             <a:endParaRPr lang="zh-CN" altLang="en-US"/>
           </a:p>
@@ -7600,7 +7623,7 @@
           <a:p>
             <a:fld id="{951C540F-83B3-4203-AE40-B45465409DDB}" type="datetimeFigureOut">
               <a:rPr lang="zh-CN" altLang="en-US" smtClean="0"/>
-              <a:t>2022/11/24</a:t>
+              <a:t>2023/5/5</a:t>
             </a:fld>
             <a:endParaRPr lang="zh-CN" altLang="en-US"/>
           </a:p>
@@ -7690,7 +7713,7 @@
           <a:p>
             <a:fld id="{951C540F-83B3-4203-AE40-B45465409DDB}" type="datetimeFigureOut">
               <a:rPr lang="zh-CN" altLang="en-US" smtClean="0"/>
-              <a:t>2022/11/24</a:t>
+              <a:t>2023/5/5</a:t>
             </a:fld>
             <a:endParaRPr lang="zh-CN" altLang="en-US"/>
           </a:p>
@@ -8010,7 +8033,7 @@
           <a:p>
             <a:fld id="{951C540F-83B3-4203-AE40-B45465409DDB}" type="datetimeFigureOut">
               <a:rPr lang="zh-CN" altLang="en-US" smtClean="0"/>
-              <a:t>2022/11/24</a:t>
+              <a:t>2023/5/5</a:t>
             </a:fld>
             <a:endParaRPr lang="zh-CN" altLang="en-US"/>
           </a:p>
@@ -8218,7 +8241,7 @@
           <a:p>
             <a:fld id="{951C540F-83B3-4203-AE40-B45465409DDB}" type="datetimeFigureOut">
               <a:rPr lang="zh-CN" altLang="en-US" smtClean="0"/>
-              <a:t>2022/11/24</a:t>
+              <a:t>2023/5/5</a:t>
             </a:fld>
             <a:endParaRPr lang="zh-CN" altLang="en-US"/>
           </a:p>
@@ -8900,7 +8923,7 @@
           <a:p>
             <a:fld id="{55526AF4-FA66-445C-9302-92D54DEE46F9}" type="datetimeFigureOut">
               <a:rPr lang="zh-CN" altLang="en-US" smtClean="0"/>
-              <a:t>2022/11/24</a:t>
+              <a:t>2023/5/5</a:t>
             </a:fld>
             <a:endParaRPr lang="zh-CN" altLang="en-US"/>
           </a:p>
@@ -13030,6 +13053,914 @@
       </p:grpSpPr>
       <p:sp>
         <p:nvSpPr>
+          <p:cNvPr id="6" name="文本框 5">
+            <a:extLst>
+              <a:ext uri="{FF2B5EF4-FFF2-40B4-BE49-F238E27FC236}">
+                <a16:creationId xmlns:a16="http://schemas.microsoft.com/office/drawing/2014/main" id="{05866655-CB59-4F19-AA28-EF466B5114BB}"/>
+              </a:ext>
+            </a:extLst>
+          </p:cNvPr>
+          <p:cNvSpPr txBox="1"/>
+          <p:nvPr/>
+        </p:nvSpPr>
+        <p:spPr>
+          <a:xfrm>
+            <a:off x="654008" y="2252694"/>
+            <a:ext cx="1138458" cy="646331"/>
+          </a:xfrm>
+          <a:prstGeom prst="rect">
+            <a:avLst/>
+          </a:prstGeom>
+          <a:noFill/>
+          <a:ln>
+            <a:solidFill>
+              <a:schemeClr val="tx1"/>
+            </a:solidFill>
+          </a:ln>
+        </p:spPr>
+        <p:txBody>
+          <a:bodyPr wrap="square" rtlCol="0">
+            <a:spAutoFit/>
+          </a:bodyPr>
+          <a:lstStyle/>
+          <a:p>
+            <a:r>
+              <a:rPr lang="zh-CN" altLang="en-US" dirty="0"/>
+              <a:t>三种原油进料比例</a:t>
+            </a:r>
+          </a:p>
+        </p:txBody>
+      </p:sp>
+      <p:sp>
+        <p:nvSpPr>
+          <p:cNvPr id="7" name="文本框 6">
+            <a:extLst>
+              <a:ext uri="{FF2B5EF4-FFF2-40B4-BE49-F238E27FC236}">
+                <a16:creationId xmlns:a16="http://schemas.microsoft.com/office/drawing/2014/main" id="{B30EA68B-2CA0-4918-BC79-F7C2DBA351A2}"/>
+              </a:ext>
+            </a:extLst>
+          </p:cNvPr>
+          <p:cNvSpPr txBox="1"/>
+          <p:nvPr/>
+        </p:nvSpPr>
+        <p:spPr>
+          <a:xfrm>
+            <a:off x="2186081" y="1837195"/>
+            <a:ext cx="1138458" cy="1477328"/>
+          </a:xfrm>
+          <a:prstGeom prst="rect">
+            <a:avLst/>
+          </a:prstGeom>
+          <a:noFill/>
+          <a:ln>
+            <a:solidFill>
+              <a:schemeClr val="tx1"/>
+            </a:solidFill>
+          </a:ln>
+        </p:spPr>
+        <p:txBody>
+          <a:bodyPr wrap="square" rtlCol="0">
+            <a:spAutoFit/>
+          </a:bodyPr>
+          <a:lstStyle/>
+          <a:p>
+            <a:endParaRPr lang="en-US" altLang="zh-CN" dirty="0"/>
+          </a:p>
+          <a:p>
+            <a:endParaRPr lang="en-US" altLang="zh-CN" dirty="0"/>
+          </a:p>
+          <a:p>
+            <a:r>
+              <a:rPr lang="zh-CN" altLang="en-US" dirty="0"/>
+              <a:t>分类模型</a:t>
+            </a:r>
+            <a:endParaRPr lang="en-US" altLang="zh-CN" dirty="0"/>
+          </a:p>
+          <a:p>
+            <a:endParaRPr lang="en-US" altLang="zh-CN" dirty="0"/>
+          </a:p>
+          <a:p>
+            <a:endParaRPr lang="zh-CN" altLang="en-US" dirty="0"/>
+          </a:p>
+        </p:txBody>
+      </p:sp>
+      <p:sp>
+        <p:nvSpPr>
+          <p:cNvPr id="8" name="文本框 7">
+            <a:extLst>
+              <a:ext uri="{FF2B5EF4-FFF2-40B4-BE49-F238E27FC236}">
+                <a16:creationId xmlns:a16="http://schemas.microsoft.com/office/drawing/2014/main" id="{25DFAE8A-05AC-4AD5-9DBD-EB0FBE64F68C}"/>
+              </a:ext>
+            </a:extLst>
+          </p:cNvPr>
+          <p:cNvSpPr txBox="1"/>
+          <p:nvPr/>
+        </p:nvSpPr>
+        <p:spPr>
+          <a:xfrm>
+            <a:off x="3718156" y="1769803"/>
+            <a:ext cx="769065" cy="369332"/>
+          </a:xfrm>
+          <a:prstGeom prst="rect">
+            <a:avLst/>
+          </a:prstGeom>
+          <a:noFill/>
+          <a:ln>
+            <a:solidFill>
+              <a:schemeClr val="tx1"/>
+            </a:solidFill>
+          </a:ln>
+        </p:spPr>
+        <p:txBody>
+          <a:bodyPr wrap="square" rtlCol="0">
+            <a:spAutoFit/>
+          </a:bodyPr>
+          <a:lstStyle/>
+          <a:p>
+            <a:pPr algn="ctr"/>
+            <a:r>
+              <a:rPr lang="en-US" altLang="zh-CN" dirty="0"/>
+              <a:t>A</a:t>
+            </a:r>
+            <a:r>
+              <a:rPr lang="zh-CN" altLang="en-US" dirty="0"/>
+              <a:t>类</a:t>
+            </a:r>
+          </a:p>
+        </p:txBody>
+      </p:sp>
+      <p:sp>
+        <p:nvSpPr>
+          <p:cNvPr id="9" name="文本框 8">
+            <a:extLst>
+              <a:ext uri="{FF2B5EF4-FFF2-40B4-BE49-F238E27FC236}">
+                <a16:creationId xmlns:a16="http://schemas.microsoft.com/office/drawing/2014/main" id="{5B7D6DC9-8A77-4962-AA16-1EB848F77C13}"/>
+              </a:ext>
+            </a:extLst>
+          </p:cNvPr>
+          <p:cNvSpPr txBox="1"/>
+          <p:nvPr/>
+        </p:nvSpPr>
+        <p:spPr>
+          <a:xfrm>
+            <a:off x="3718156" y="2391193"/>
+            <a:ext cx="769065" cy="369332"/>
+          </a:xfrm>
+          <a:prstGeom prst="rect">
+            <a:avLst/>
+          </a:prstGeom>
+          <a:noFill/>
+          <a:ln>
+            <a:solidFill>
+              <a:schemeClr val="tx1"/>
+            </a:solidFill>
+          </a:ln>
+        </p:spPr>
+        <p:txBody>
+          <a:bodyPr wrap="square" rtlCol="0">
+            <a:spAutoFit/>
+          </a:bodyPr>
+          <a:lstStyle/>
+          <a:p>
+            <a:pPr algn="ctr"/>
+            <a:r>
+              <a:rPr lang="en-US" altLang="zh-CN" dirty="0"/>
+              <a:t>B</a:t>
+            </a:r>
+            <a:r>
+              <a:rPr lang="zh-CN" altLang="en-US" dirty="0"/>
+              <a:t>类</a:t>
+            </a:r>
+          </a:p>
+        </p:txBody>
+      </p:sp>
+      <p:sp>
+        <p:nvSpPr>
+          <p:cNvPr id="10" name="文本框 9">
+            <a:extLst>
+              <a:ext uri="{FF2B5EF4-FFF2-40B4-BE49-F238E27FC236}">
+                <a16:creationId xmlns:a16="http://schemas.microsoft.com/office/drawing/2014/main" id="{121264CF-2903-4898-8880-1E960389E8C1}"/>
+              </a:ext>
+            </a:extLst>
+          </p:cNvPr>
+          <p:cNvSpPr txBox="1"/>
+          <p:nvPr/>
+        </p:nvSpPr>
+        <p:spPr>
+          <a:xfrm>
+            <a:off x="3718156" y="2964933"/>
+            <a:ext cx="769065" cy="369332"/>
+          </a:xfrm>
+          <a:prstGeom prst="rect">
+            <a:avLst/>
+          </a:prstGeom>
+          <a:noFill/>
+          <a:ln>
+            <a:solidFill>
+              <a:schemeClr val="tx1"/>
+            </a:solidFill>
+          </a:ln>
+        </p:spPr>
+        <p:txBody>
+          <a:bodyPr wrap="square" rtlCol="0">
+            <a:spAutoFit/>
+          </a:bodyPr>
+          <a:lstStyle/>
+          <a:p>
+            <a:pPr algn="ctr"/>
+            <a:r>
+              <a:rPr lang="en-US" altLang="zh-CN" dirty="0"/>
+              <a:t>C</a:t>
+            </a:r>
+            <a:r>
+              <a:rPr lang="zh-CN" altLang="en-US" dirty="0"/>
+              <a:t>类</a:t>
+            </a:r>
+          </a:p>
+        </p:txBody>
+      </p:sp>
+      <p:sp>
+        <p:nvSpPr>
+          <p:cNvPr id="12" name="文本框 11">
+            <a:extLst>
+              <a:ext uri="{FF2B5EF4-FFF2-40B4-BE49-F238E27FC236}">
+                <a16:creationId xmlns:a16="http://schemas.microsoft.com/office/drawing/2014/main" id="{525D4A5B-7E30-4EA0-8DE0-4CAB93E84387}"/>
+              </a:ext>
+            </a:extLst>
+          </p:cNvPr>
+          <p:cNvSpPr txBox="1"/>
+          <p:nvPr/>
+        </p:nvSpPr>
+        <p:spPr>
+          <a:xfrm>
+            <a:off x="3324539" y="3967280"/>
+            <a:ext cx="1308016" cy="369332"/>
+          </a:xfrm>
+          <a:prstGeom prst="rect">
+            <a:avLst/>
+          </a:prstGeom>
+          <a:noFill/>
+          <a:ln>
+            <a:solidFill>
+              <a:schemeClr val="tx1"/>
+            </a:solidFill>
+          </a:ln>
+        </p:spPr>
+        <p:txBody>
+          <a:bodyPr wrap="square" rtlCol="0">
+            <a:spAutoFit/>
+          </a:bodyPr>
+          <a:lstStyle/>
+          <a:p>
+            <a:r>
+              <a:rPr lang="zh-CN" altLang="en-US" dirty="0"/>
+              <a:t>过程数据</a:t>
+            </a:r>
+          </a:p>
+        </p:txBody>
+      </p:sp>
+      <p:sp>
+        <p:nvSpPr>
+          <p:cNvPr id="13" name="文本框 12">
+            <a:extLst>
+              <a:ext uri="{FF2B5EF4-FFF2-40B4-BE49-F238E27FC236}">
+                <a16:creationId xmlns:a16="http://schemas.microsoft.com/office/drawing/2014/main" id="{69F5E2FE-8972-4713-9514-67D188CC16DD}"/>
+              </a:ext>
+            </a:extLst>
+          </p:cNvPr>
+          <p:cNvSpPr txBox="1"/>
+          <p:nvPr/>
+        </p:nvSpPr>
+        <p:spPr>
+          <a:xfrm>
+            <a:off x="5142238" y="1769803"/>
+            <a:ext cx="1724845" cy="369332"/>
+          </a:xfrm>
+          <a:prstGeom prst="rect">
+            <a:avLst/>
+          </a:prstGeom>
+          <a:noFill/>
+          <a:ln>
+            <a:solidFill>
+              <a:schemeClr val="tx1"/>
+            </a:solidFill>
+          </a:ln>
+        </p:spPr>
+        <p:txBody>
+          <a:bodyPr wrap="square" rtlCol="0">
+            <a:spAutoFit/>
+          </a:bodyPr>
+          <a:lstStyle/>
+          <a:p>
+            <a:pPr algn="ctr"/>
+            <a:r>
+              <a:rPr lang="zh-CN" altLang="en-US" dirty="0"/>
+              <a:t>软测量模型</a:t>
+            </a:r>
+            <a:r>
+              <a:rPr lang="en-US" altLang="zh-CN" dirty="0"/>
+              <a:t>A</a:t>
+            </a:r>
+            <a:endParaRPr lang="zh-CN" altLang="en-US" dirty="0"/>
+          </a:p>
+        </p:txBody>
+      </p:sp>
+      <p:sp>
+        <p:nvSpPr>
+          <p:cNvPr id="14" name="文本框 13">
+            <a:extLst>
+              <a:ext uri="{FF2B5EF4-FFF2-40B4-BE49-F238E27FC236}">
+                <a16:creationId xmlns:a16="http://schemas.microsoft.com/office/drawing/2014/main" id="{B92036FC-A37D-4527-97E4-318F05E2AABA}"/>
+              </a:ext>
+            </a:extLst>
+          </p:cNvPr>
+          <p:cNvSpPr txBox="1"/>
+          <p:nvPr/>
+        </p:nvSpPr>
+        <p:spPr>
+          <a:xfrm>
+            <a:off x="5142236" y="2391193"/>
+            <a:ext cx="1724845" cy="369332"/>
+          </a:xfrm>
+          <a:prstGeom prst="rect">
+            <a:avLst/>
+          </a:prstGeom>
+          <a:noFill/>
+          <a:ln>
+            <a:solidFill>
+              <a:schemeClr val="tx1"/>
+            </a:solidFill>
+          </a:ln>
+        </p:spPr>
+        <p:txBody>
+          <a:bodyPr wrap="square" rtlCol="0">
+            <a:spAutoFit/>
+          </a:bodyPr>
+          <a:lstStyle/>
+          <a:p>
+            <a:pPr algn="ctr"/>
+            <a:r>
+              <a:rPr lang="zh-CN" altLang="en-US" dirty="0"/>
+              <a:t>软测量模型</a:t>
+            </a:r>
+            <a:r>
+              <a:rPr lang="en-US" altLang="zh-CN" dirty="0"/>
+              <a:t>B</a:t>
+            </a:r>
+            <a:endParaRPr lang="zh-CN" altLang="en-US" dirty="0"/>
+          </a:p>
+        </p:txBody>
+      </p:sp>
+      <p:sp>
+        <p:nvSpPr>
+          <p:cNvPr id="15" name="文本框 14">
+            <a:extLst>
+              <a:ext uri="{FF2B5EF4-FFF2-40B4-BE49-F238E27FC236}">
+                <a16:creationId xmlns:a16="http://schemas.microsoft.com/office/drawing/2014/main" id="{96FD40CD-42EE-45C6-9E2E-E9B5B9F12F17}"/>
+              </a:ext>
+            </a:extLst>
+          </p:cNvPr>
+          <p:cNvSpPr txBox="1"/>
+          <p:nvPr/>
+        </p:nvSpPr>
+        <p:spPr>
+          <a:xfrm>
+            <a:off x="5142235" y="2964933"/>
+            <a:ext cx="1724845" cy="369332"/>
+          </a:xfrm>
+          <a:prstGeom prst="rect">
+            <a:avLst/>
+          </a:prstGeom>
+          <a:noFill/>
+          <a:ln>
+            <a:solidFill>
+              <a:schemeClr val="tx1"/>
+            </a:solidFill>
+          </a:ln>
+        </p:spPr>
+        <p:txBody>
+          <a:bodyPr wrap="square" rtlCol="0">
+            <a:spAutoFit/>
+          </a:bodyPr>
+          <a:lstStyle/>
+          <a:p>
+            <a:pPr algn="ctr"/>
+            <a:r>
+              <a:rPr lang="zh-CN" altLang="en-US" dirty="0"/>
+              <a:t>软测量模型</a:t>
+            </a:r>
+            <a:r>
+              <a:rPr lang="en-US" altLang="zh-CN" dirty="0"/>
+              <a:t>C</a:t>
+            </a:r>
+            <a:endParaRPr lang="zh-CN" altLang="en-US" dirty="0"/>
+          </a:p>
+        </p:txBody>
+      </p:sp>
+      <p:sp>
+        <p:nvSpPr>
+          <p:cNvPr id="17" name="箭头: 右 16">
+            <a:extLst>
+              <a:ext uri="{FF2B5EF4-FFF2-40B4-BE49-F238E27FC236}">
+                <a16:creationId xmlns:a16="http://schemas.microsoft.com/office/drawing/2014/main" id="{B189CD76-0494-4176-8AB4-A7501A9B27B8}"/>
+              </a:ext>
+            </a:extLst>
+          </p:cNvPr>
+          <p:cNvSpPr/>
+          <p:nvPr/>
+        </p:nvSpPr>
+        <p:spPr>
+          <a:xfrm>
+            <a:off x="1846966" y="2445663"/>
+            <a:ext cx="284615" cy="260392"/>
+          </a:xfrm>
+          <a:prstGeom prst="rightArrow">
+            <a:avLst/>
+          </a:prstGeom>
+        </p:spPr>
+        <p:style>
+          <a:lnRef idx="2">
+            <a:schemeClr val="dk1">
+              <a:shade val="50000"/>
+            </a:schemeClr>
+          </a:lnRef>
+          <a:fillRef idx="1">
+            <a:schemeClr val="dk1"/>
+          </a:fillRef>
+          <a:effectRef idx="0">
+            <a:schemeClr val="dk1"/>
+          </a:effectRef>
+          <a:fontRef idx="minor">
+            <a:schemeClr val="lt1"/>
+          </a:fontRef>
+        </p:style>
+        <p:txBody>
+          <a:bodyPr rtlCol="0" anchor="ctr"/>
+          <a:lstStyle/>
+          <a:p>
+            <a:pPr algn="ctr"/>
+            <a:endParaRPr lang="zh-CN" altLang="en-US"/>
+          </a:p>
+        </p:txBody>
+      </p:sp>
+      <p:sp>
+        <p:nvSpPr>
+          <p:cNvPr id="18" name="箭头: 右 17">
+            <a:extLst>
+              <a:ext uri="{FF2B5EF4-FFF2-40B4-BE49-F238E27FC236}">
+                <a16:creationId xmlns:a16="http://schemas.microsoft.com/office/drawing/2014/main" id="{9B782319-329F-4DC6-AC7D-8BC00B35463C}"/>
+              </a:ext>
+            </a:extLst>
+          </p:cNvPr>
+          <p:cNvSpPr/>
+          <p:nvPr/>
+        </p:nvSpPr>
+        <p:spPr>
+          <a:xfrm>
+            <a:off x="3379039" y="1878743"/>
+            <a:ext cx="284615" cy="260392"/>
+          </a:xfrm>
+          <a:prstGeom prst="rightArrow">
+            <a:avLst/>
+          </a:prstGeom>
+        </p:spPr>
+        <p:style>
+          <a:lnRef idx="2">
+            <a:schemeClr val="dk1">
+              <a:shade val="50000"/>
+            </a:schemeClr>
+          </a:lnRef>
+          <a:fillRef idx="1">
+            <a:schemeClr val="dk1"/>
+          </a:fillRef>
+          <a:effectRef idx="0">
+            <a:schemeClr val="dk1"/>
+          </a:effectRef>
+          <a:fontRef idx="minor">
+            <a:schemeClr val="lt1"/>
+          </a:fontRef>
+        </p:style>
+        <p:txBody>
+          <a:bodyPr rtlCol="0" anchor="ctr"/>
+          <a:lstStyle/>
+          <a:p>
+            <a:pPr algn="ctr"/>
+            <a:endParaRPr lang="zh-CN" altLang="en-US"/>
+          </a:p>
+        </p:txBody>
+      </p:sp>
+      <p:sp>
+        <p:nvSpPr>
+          <p:cNvPr id="19" name="箭头: 右 18">
+            <a:extLst>
+              <a:ext uri="{FF2B5EF4-FFF2-40B4-BE49-F238E27FC236}">
+                <a16:creationId xmlns:a16="http://schemas.microsoft.com/office/drawing/2014/main" id="{E2213EA7-5863-4946-91F7-CF10FB03DDDA}"/>
+              </a:ext>
+            </a:extLst>
+          </p:cNvPr>
+          <p:cNvSpPr/>
+          <p:nvPr/>
+        </p:nvSpPr>
+        <p:spPr>
+          <a:xfrm>
+            <a:off x="3373990" y="2445663"/>
+            <a:ext cx="284615" cy="260392"/>
+          </a:xfrm>
+          <a:prstGeom prst="rightArrow">
+            <a:avLst/>
+          </a:prstGeom>
+        </p:spPr>
+        <p:style>
+          <a:lnRef idx="2">
+            <a:schemeClr val="dk1">
+              <a:shade val="50000"/>
+            </a:schemeClr>
+          </a:lnRef>
+          <a:fillRef idx="1">
+            <a:schemeClr val="dk1"/>
+          </a:fillRef>
+          <a:effectRef idx="0">
+            <a:schemeClr val="dk1"/>
+          </a:effectRef>
+          <a:fontRef idx="minor">
+            <a:schemeClr val="lt1"/>
+          </a:fontRef>
+        </p:style>
+        <p:txBody>
+          <a:bodyPr rtlCol="0" anchor="ctr"/>
+          <a:lstStyle/>
+          <a:p>
+            <a:pPr algn="ctr"/>
+            <a:endParaRPr lang="zh-CN" altLang="en-US"/>
+          </a:p>
+        </p:txBody>
+      </p:sp>
+      <p:sp>
+        <p:nvSpPr>
+          <p:cNvPr id="20" name="箭头: 右 19">
+            <a:extLst>
+              <a:ext uri="{FF2B5EF4-FFF2-40B4-BE49-F238E27FC236}">
+                <a16:creationId xmlns:a16="http://schemas.microsoft.com/office/drawing/2014/main" id="{C59D1C61-2524-45FE-B4F7-28BD6D7B5C2F}"/>
+              </a:ext>
+            </a:extLst>
+          </p:cNvPr>
+          <p:cNvSpPr/>
+          <p:nvPr/>
+        </p:nvSpPr>
+        <p:spPr>
+          <a:xfrm>
+            <a:off x="3373990" y="3012583"/>
+            <a:ext cx="284615" cy="260392"/>
+          </a:xfrm>
+          <a:prstGeom prst="rightArrow">
+            <a:avLst/>
+          </a:prstGeom>
+        </p:spPr>
+        <p:style>
+          <a:lnRef idx="2">
+            <a:schemeClr val="dk1">
+              <a:shade val="50000"/>
+            </a:schemeClr>
+          </a:lnRef>
+          <a:fillRef idx="1">
+            <a:schemeClr val="dk1"/>
+          </a:fillRef>
+          <a:effectRef idx="0">
+            <a:schemeClr val="dk1"/>
+          </a:effectRef>
+          <a:fontRef idx="minor">
+            <a:schemeClr val="lt1"/>
+          </a:fontRef>
+        </p:style>
+        <p:txBody>
+          <a:bodyPr rtlCol="0" anchor="ctr"/>
+          <a:lstStyle/>
+          <a:p>
+            <a:pPr algn="ctr"/>
+            <a:endParaRPr lang="zh-CN" altLang="en-US"/>
+          </a:p>
+        </p:txBody>
+      </p:sp>
+      <p:sp>
+        <p:nvSpPr>
+          <p:cNvPr id="21" name="箭头: 右 20">
+            <a:extLst>
+              <a:ext uri="{FF2B5EF4-FFF2-40B4-BE49-F238E27FC236}">
+                <a16:creationId xmlns:a16="http://schemas.microsoft.com/office/drawing/2014/main" id="{9D7ECE15-AE6B-436D-86A9-BB8CEE9EFD5B}"/>
+              </a:ext>
+            </a:extLst>
+          </p:cNvPr>
+          <p:cNvSpPr/>
+          <p:nvPr/>
+        </p:nvSpPr>
+        <p:spPr>
+          <a:xfrm>
+            <a:off x="4675956" y="1837852"/>
+            <a:ext cx="284615" cy="260392"/>
+          </a:xfrm>
+          <a:prstGeom prst="rightArrow">
+            <a:avLst/>
+          </a:prstGeom>
+          <a:noFill/>
+          <a:ln>
+            <a:prstDash val="sysDash"/>
+          </a:ln>
+        </p:spPr>
+        <p:style>
+          <a:lnRef idx="2">
+            <a:schemeClr val="dk1">
+              <a:shade val="50000"/>
+            </a:schemeClr>
+          </a:lnRef>
+          <a:fillRef idx="1">
+            <a:schemeClr val="dk1"/>
+          </a:fillRef>
+          <a:effectRef idx="0">
+            <a:schemeClr val="dk1"/>
+          </a:effectRef>
+          <a:fontRef idx="minor">
+            <a:schemeClr val="lt1"/>
+          </a:fontRef>
+        </p:style>
+        <p:txBody>
+          <a:bodyPr rtlCol="0" anchor="ctr"/>
+          <a:lstStyle/>
+          <a:p>
+            <a:pPr algn="ctr"/>
+            <a:endParaRPr lang="zh-CN" altLang="en-US"/>
+          </a:p>
+        </p:txBody>
+      </p:sp>
+      <p:sp>
+        <p:nvSpPr>
+          <p:cNvPr id="22" name="箭头: 右 21">
+            <a:extLst>
+              <a:ext uri="{FF2B5EF4-FFF2-40B4-BE49-F238E27FC236}">
+                <a16:creationId xmlns:a16="http://schemas.microsoft.com/office/drawing/2014/main" id="{61FF4232-BA20-48B6-A7A7-0731BEE4D577}"/>
+              </a:ext>
+            </a:extLst>
+          </p:cNvPr>
+          <p:cNvSpPr/>
+          <p:nvPr/>
+        </p:nvSpPr>
+        <p:spPr>
+          <a:xfrm>
+            <a:off x="4670907" y="2404772"/>
+            <a:ext cx="284615" cy="260392"/>
+          </a:xfrm>
+          <a:prstGeom prst="rightArrow">
+            <a:avLst/>
+          </a:prstGeom>
+          <a:noFill/>
+          <a:ln>
+            <a:prstDash val="sysDash"/>
+          </a:ln>
+        </p:spPr>
+        <p:style>
+          <a:lnRef idx="2">
+            <a:schemeClr val="dk1">
+              <a:shade val="50000"/>
+            </a:schemeClr>
+          </a:lnRef>
+          <a:fillRef idx="1">
+            <a:schemeClr val="dk1"/>
+          </a:fillRef>
+          <a:effectRef idx="0">
+            <a:schemeClr val="dk1"/>
+          </a:effectRef>
+          <a:fontRef idx="minor">
+            <a:schemeClr val="lt1"/>
+          </a:fontRef>
+        </p:style>
+        <p:txBody>
+          <a:bodyPr rtlCol="0" anchor="ctr"/>
+          <a:lstStyle/>
+          <a:p>
+            <a:pPr algn="ctr"/>
+            <a:endParaRPr lang="zh-CN" altLang="en-US"/>
+          </a:p>
+        </p:txBody>
+      </p:sp>
+      <p:sp>
+        <p:nvSpPr>
+          <p:cNvPr id="23" name="箭头: 右 22">
+            <a:extLst>
+              <a:ext uri="{FF2B5EF4-FFF2-40B4-BE49-F238E27FC236}">
+                <a16:creationId xmlns:a16="http://schemas.microsoft.com/office/drawing/2014/main" id="{684C2AE5-9035-48C8-8DF5-1B53B73E2AC8}"/>
+              </a:ext>
+            </a:extLst>
+          </p:cNvPr>
+          <p:cNvSpPr/>
+          <p:nvPr/>
+        </p:nvSpPr>
+        <p:spPr>
+          <a:xfrm>
+            <a:off x="4670907" y="2971692"/>
+            <a:ext cx="284615" cy="260392"/>
+          </a:xfrm>
+          <a:prstGeom prst="rightArrow">
+            <a:avLst/>
+          </a:prstGeom>
+          <a:noFill/>
+          <a:ln>
+            <a:prstDash val="sysDash"/>
+          </a:ln>
+        </p:spPr>
+        <p:style>
+          <a:lnRef idx="2">
+            <a:schemeClr val="dk1">
+              <a:shade val="50000"/>
+            </a:schemeClr>
+          </a:lnRef>
+          <a:fillRef idx="1">
+            <a:schemeClr val="dk1"/>
+          </a:fillRef>
+          <a:effectRef idx="0">
+            <a:schemeClr val="dk1"/>
+          </a:effectRef>
+          <a:fontRef idx="minor">
+            <a:schemeClr val="lt1"/>
+          </a:fontRef>
+        </p:style>
+        <p:txBody>
+          <a:bodyPr rtlCol="0" anchor="ctr"/>
+          <a:lstStyle/>
+          <a:p>
+            <a:pPr algn="ctr"/>
+            <a:endParaRPr lang="zh-CN" altLang="en-US"/>
+          </a:p>
+        </p:txBody>
+      </p:sp>
+      <p:sp>
+        <p:nvSpPr>
+          <p:cNvPr id="25" name="箭头: 下 24">
+            <a:extLst>
+              <a:ext uri="{FF2B5EF4-FFF2-40B4-BE49-F238E27FC236}">
+                <a16:creationId xmlns:a16="http://schemas.microsoft.com/office/drawing/2014/main" id="{31F584FC-4D80-4CC2-9D11-3877217F229E}"/>
+              </a:ext>
+            </a:extLst>
+          </p:cNvPr>
+          <p:cNvSpPr/>
+          <p:nvPr/>
+        </p:nvSpPr>
+        <p:spPr>
+          <a:xfrm>
+            <a:off x="5868405" y="3529793"/>
+            <a:ext cx="272503" cy="417839"/>
+          </a:xfrm>
+          <a:prstGeom prst="downArrow">
+            <a:avLst/>
+          </a:prstGeom>
+          <a:solidFill>
+            <a:schemeClr val="tx1"/>
+          </a:solidFill>
+          <a:ln>
+            <a:noFill/>
+          </a:ln>
+        </p:spPr>
+        <p:style>
+          <a:lnRef idx="2">
+            <a:schemeClr val="accent1">
+              <a:shade val="50000"/>
+            </a:schemeClr>
+          </a:lnRef>
+          <a:fillRef idx="1">
+            <a:schemeClr val="accent1"/>
+          </a:fillRef>
+          <a:effectRef idx="0">
+            <a:schemeClr val="accent1"/>
+          </a:effectRef>
+          <a:fontRef idx="minor">
+            <a:schemeClr val="lt1"/>
+          </a:fontRef>
+        </p:style>
+        <p:txBody>
+          <a:bodyPr rtlCol="0" anchor="ctr"/>
+          <a:lstStyle/>
+          <a:p>
+            <a:pPr algn="ctr"/>
+            <a:endParaRPr lang="zh-CN" altLang="en-US" dirty="0"/>
+          </a:p>
+        </p:txBody>
+      </p:sp>
+      <p:sp>
+        <p:nvSpPr>
+          <p:cNvPr id="26" name="箭头: 右 25">
+            <a:extLst>
+              <a:ext uri="{FF2B5EF4-FFF2-40B4-BE49-F238E27FC236}">
+                <a16:creationId xmlns:a16="http://schemas.microsoft.com/office/drawing/2014/main" id="{EA694675-EEF2-4CBB-8127-8AABF8C25EF6}"/>
+              </a:ext>
+            </a:extLst>
+          </p:cNvPr>
+          <p:cNvSpPr/>
+          <p:nvPr/>
+        </p:nvSpPr>
+        <p:spPr>
+          <a:xfrm>
+            <a:off x="4802109" y="4029867"/>
+            <a:ext cx="2507030" cy="260391"/>
+          </a:xfrm>
+          <a:prstGeom prst="rightArrow">
+            <a:avLst/>
+          </a:prstGeom>
+        </p:spPr>
+        <p:style>
+          <a:lnRef idx="2">
+            <a:schemeClr val="dk1">
+              <a:shade val="50000"/>
+            </a:schemeClr>
+          </a:lnRef>
+          <a:fillRef idx="1">
+            <a:schemeClr val="dk1"/>
+          </a:fillRef>
+          <a:effectRef idx="0">
+            <a:schemeClr val="dk1"/>
+          </a:effectRef>
+          <a:fontRef idx="minor">
+            <a:schemeClr val="lt1"/>
+          </a:fontRef>
+        </p:style>
+        <p:txBody>
+          <a:bodyPr rtlCol="0" anchor="ctr"/>
+          <a:lstStyle/>
+          <a:p>
+            <a:pPr algn="ctr"/>
+            <a:endParaRPr lang="zh-CN" altLang="en-US"/>
+          </a:p>
+        </p:txBody>
+      </p:sp>
+      <p:sp>
+        <p:nvSpPr>
+          <p:cNvPr id="28" name="文本框 27">
+            <a:extLst>
+              <a:ext uri="{FF2B5EF4-FFF2-40B4-BE49-F238E27FC236}">
+                <a16:creationId xmlns:a16="http://schemas.microsoft.com/office/drawing/2014/main" id="{60005C4D-2883-4A83-9814-2F8552BD711B}"/>
+              </a:ext>
+            </a:extLst>
+          </p:cNvPr>
+          <p:cNvSpPr txBox="1"/>
+          <p:nvPr/>
+        </p:nvSpPr>
+        <p:spPr>
+          <a:xfrm>
+            <a:off x="7419153" y="3836896"/>
+            <a:ext cx="1040561" cy="646331"/>
+          </a:xfrm>
+          <a:prstGeom prst="rect">
+            <a:avLst/>
+          </a:prstGeom>
+          <a:noFill/>
+          <a:ln>
+            <a:solidFill>
+              <a:schemeClr val="tx1"/>
+            </a:solidFill>
+          </a:ln>
+        </p:spPr>
+        <p:txBody>
+          <a:bodyPr wrap="square" rtlCol="0">
+            <a:spAutoFit/>
+          </a:bodyPr>
+          <a:lstStyle/>
+          <a:p>
+            <a:r>
+              <a:rPr lang="zh-CN" altLang="en-US" dirty="0"/>
+              <a:t>产品质量指标</a:t>
+            </a:r>
+          </a:p>
+        </p:txBody>
+      </p:sp>
+    </p:spTree>
+    <p:extLst>
+      <p:ext uri="{BB962C8B-B14F-4D97-AF65-F5344CB8AC3E}">
+        <p14:creationId xmlns:p14="http://schemas.microsoft.com/office/powerpoint/2010/main" val="1535468665"/>
+      </p:ext>
+    </p:extLst>
+  </p:cSld>
+  <p:clrMapOvr>
+    <a:masterClrMapping/>
+  </p:clrMapOvr>
+</p:sld>
+</file>
+
+<file path=ppt/slides/slide17.xml><?xml version="1.0" encoding="utf-8"?>
+<p:sld xmlns:a="http://schemas.openxmlformats.org/drawingml/2006/main" xmlns:r="http://schemas.openxmlformats.org/officeDocument/2006/relationships" xmlns:p="http://schemas.openxmlformats.org/presentationml/2006/main">
+  <p:cSld>
+    <p:spTree>
+      <p:nvGrpSpPr>
+        <p:cNvPr id="1" name=""/>
+        <p:cNvGrpSpPr/>
+        <p:nvPr/>
+      </p:nvGrpSpPr>
+      <p:grpSpPr>
+        <a:xfrm>
+          <a:off x="0" y="0"/>
+          <a:ext cx="0" cy="0"/>
+          <a:chOff x="0" y="0"/>
+          <a:chExt cx="0" cy="0"/>
+        </a:xfrm>
+      </p:grpSpPr>
+      <p:sp>
+        <p:nvSpPr>
           <p:cNvPr id="4" name="标题 3"/>
           <p:cNvSpPr>
             <a:spLocks noGrp="1"/>
@@ -13066,6 +13997,86 @@
         </p:txBody>
       </p:sp>
     </p:spTree>
+  </p:cSld>
+  <p:clrMapOvr>
+    <a:masterClrMapping/>
+  </p:clrMapOvr>
+</p:sld>
+</file>
+
+<file path=ppt/slides/slide18.xml><?xml version="1.0" encoding="utf-8"?>
+<p:sld xmlns:a="http://schemas.openxmlformats.org/drawingml/2006/main" xmlns:r="http://schemas.openxmlformats.org/officeDocument/2006/relationships" xmlns:p="http://schemas.openxmlformats.org/presentationml/2006/main">
+  <p:cSld>
+    <p:spTree>
+      <p:nvGrpSpPr>
+        <p:cNvPr id="1" name=""/>
+        <p:cNvGrpSpPr/>
+        <p:nvPr/>
+      </p:nvGrpSpPr>
+      <p:grpSpPr>
+        <a:xfrm>
+          <a:off x="0" y="0"/>
+          <a:ext cx="0" cy="0"/>
+          <a:chOff x="0" y="0"/>
+          <a:chExt cx="0" cy="0"/>
+        </a:xfrm>
+      </p:grpSpPr>
+      <p:sp>
+        <p:nvSpPr>
+          <p:cNvPr id="2" name="标题 1">
+            <a:extLst>
+              <a:ext uri="{FF2B5EF4-FFF2-40B4-BE49-F238E27FC236}">
+                <a16:creationId xmlns:a16="http://schemas.microsoft.com/office/drawing/2014/main" id="{FBD2D508-1359-4B99-9FAB-7A51D752ACB4}"/>
+              </a:ext>
+            </a:extLst>
+          </p:cNvPr>
+          <p:cNvSpPr>
+            <a:spLocks noGrp="1"/>
+          </p:cNvSpPr>
+          <p:nvPr>
+            <p:ph type="title"/>
+          </p:nvPr>
+        </p:nvSpPr>
+        <p:spPr/>
+        <p:txBody>
+          <a:bodyPr/>
+          <a:lstStyle/>
+          <a:p>
+            <a:endParaRPr lang="zh-CN" altLang="en-US"/>
+          </a:p>
+        </p:txBody>
+      </p:sp>
+      <p:sp>
+        <p:nvSpPr>
+          <p:cNvPr id="3" name="文本占位符 2">
+            <a:extLst>
+              <a:ext uri="{FF2B5EF4-FFF2-40B4-BE49-F238E27FC236}">
+                <a16:creationId xmlns:a16="http://schemas.microsoft.com/office/drawing/2014/main" id="{FF10B677-3B21-43B2-B48A-70BBAC7EF8D9}"/>
+              </a:ext>
+            </a:extLst>
+          </p:cNvPr>
+          <p:cNvSpPr>
+            <a:spLocks noGrp="1"/>
+          </p:cNvSpPr>
+          <p:nvPr>
+            <p:ph type="body" idx="1"/>
+          </p:nvPr>
+        </p:nvSpPr>
+        <p:spPr/>
+        <p:txBody>
+          <a:bodyPr/>
+          <a:lstStyle/>
+          <a:p>
+            <a:endParaRPr lang="zh-CN" altLang="en-US"/>
+          </a:p>
+        </p:txBody>
+      </p:sp>
+    </p:spTree>
+    <p:extLst>
+      <p:ext uri="{BB962C8B-B14F-4D97-AF65-F5344CB8AC3E}">
+        <p14:creationId xmlns:p14="http://schemas.microsoft.com/office/powerpoint/2010/main" val="426181596"/>
+      </p:ext>
+    </p:extLst>
   </p:cSld>
   <p:clrMapOvr>
     <a:masterClrMapping/>
